--- a/Courses/Software-Sciences/IT-Module-4-Problem-Solving-with-ICT/03-Iterative-Models/03-Iterative-Models.pptx
+++ b/Courses/Software-Sciences/IT-Module-4-Problem-Solving-with-ICT/03-Iterative-Models/03-Iterative-Models.pptx
@@ -322,7 +322,7 @@
           <a:p>
             <a:fld id="{4E087215-0C8F-4762-A664-737A353EC9A4}" type="datetimeFigureOut">
               <a:rPr lang="bg-BG" smtClean="0"/>
-              <a:t>25.06.25 г.</a:t>
+              <a:t>2.09.25 г.</a:t>
             </a:fld>
             <a:endParaRPr lang="bg-BG"/>
           </a:p>
@@ -518,7 +518,7 @@
           <a:p>
             <a:fld id="{72D84649-876A-46C9-8472-14CB09C070D8}" type="datetimeFigureOut">
               <a:rPr lang="en-US" smtClean="0"/>
-              <a:t>6/25/25</a:t>
+              <a:t>9/2/25</a:t>
             </a:fld>
             <a:endParaRPr lang="en-US"/>
           </a:p>
@@ -11597,10 +11597,10 @@
       </p:sp>
       <p:pic>
         <p:nvPicPr>
-          <p:cNvPr id="4" name="Picture 3">
+          <p:cNvPr id="49" name="Picture 48">
             <a:extLst>
               <a:ext uri="{FF2B5EF4-FFF2-40B4-BE49-F238E27FC236}">
-                <a16:creationId xmlns:a16="http://schemas.microsoft.com/office/drawing/2014/main" id="{E8177F20-300B-A9FC-3888-5A46EDBA18FF}"/>
+                <a16:creationId xmlns:a16="http://schemas.microsoft.com/office/drawing/2014/main" id="{FCE6721C-9E6E-14A3-1067-5EDE69508AB7}"/>
               </a:ext>
             </a:extLst>
           </p:cNvPr>
@@ -11609,7 +11609,7 @@
           </p:cNvPicPr>
           <p:nvPr/>
         </p:nvPicPr>
-        <p:blipFill rotWithShape="1">
+        <p:blipFill>
           <a:blip r:embed="rId2">
             <a:extLst>
               <a:ext uri="{28A0092B-C50C-407E-A947-70E740481C1C}">
@@ -11617,13 +11617,230 @@
               </a:ext>
             </a:extLst>
           </a:blip>
-          <a:srcRect r="5749" b="33112"/>
-          <a:stretch/>
+          <a:stretch>
+            <a:fillRect/>
+          </a:stretch>
         </p:blipFill>
         <p:spPr>
           <a:xfrm>
-            <a:off x="79071" y="1764000"/>
-            <a:ext cx="12033444" cy="3843863"/>
+            <a:off x="334800" y="2124000"/>
+            <a:ext cx="11781782" cy="3686400"/>
+          </a:xfrm>
+          <a:prstGeom prst="rect">
+            <a:avLst/>
+          </a:prstGeom>
+        </p:spPr>
+      </p:pic>
+      <p:pic>
+        <p:nvPicPr>
+          <p:cNvPr id="51" name="Picture 50">
+            <a:extLst>
+              <a:ext uri="{FF2B5EF4-FFF2-40B4-BE49-F238E27FC236}">
+                <a16:creationId xmlns:a16="http://schemas.microsoft.com/office/drawing/2014/main" id="{70CD684C-D8AF-552A-91BE-ED2A5BA9EF81}"/>
+              </a:ext>
+            </a:extLst>
+          </p:cNvPr>
+          <p:cNvPicPr>
+            <a:picLocks noChangeAspect="1"/>
+          </p:cNvPicPr>
+          <p:nvPr/>
+        </p:nvPicPr>
+        <p:blipFill>
+          <a:blip r:embed="rId3">
+            <a:extLst>
+              <a:ext uri="{28A0092B-C50C-407E-A947-70E740481C1C}">
+                <a14:useLocalDpi xmlns:a14="http://schemas.microsoft.com/office/drawing/2010/main" val="0"/>
+              </a:ext>
+            </a:extLst>
+          </a:blip>
+          <a:stretch>
+            <a:fillRect/>
+          </a:stretch>
+        </p:blipFill>
+        <p:spPr>
+          <a:xfrm>
+            <a:off x="334800" y="2124000"/>
+            <a:ext cx="11781782" cy="3686400"/>
+          </a:xfrm>
+          <a:prstGeom prst="rect">
+            <a:avLst/>
+          </a:prstGeom>
+        </p:spPr>
+      </p:pic>
+      <p:pic>
+        <p:nvPicPr>
+          <p:cNvPr id="53" name="Picture 52">
+            <a:extLst>
+              <a:ext uri="{FF2B5EF4-FFF2-40B4-BE49-F238E27FC236}">
+                <a16:creationId xmlns:a16="http://schemas.microsoft.com/office/drawing/2014/main" id="{A827D003-CF6A-C20A-7049-24C152B11CA4}"/>
+              </a:ext>
+            </a:extLst>
+          </p:cNvPr>
+          <p:cNvPicPr>
+            <a:picLocks noChangeAspect="1"/>
+          </p:cNvPicPr>
+          <p:nvPr/>
+        </p:nvPicPr>
+        <p:blipFill>
+          <a:blip r:embed="rId4">
+            <a:extLst>
+              <a:ext uri="{28A0092B-C50C-407E-A947-70E740481C1C}">
+                <a14:useLocalDpi xmlns:a14="http://schemas.microsoft.com/office/drawing/2010/main" val="0"/>
+              </a:ext>
+            </a:extLst>
+          </a:blip>
+          <a:stretch>
+            <a:fillRect/>
+          </a:stretch>
+        </p:blipFill>
+        <p:spPr>
+          <a:xfrm>
+            <a:off x="334800" y="2124000"/>
+            <a:ext cx="11781782" cy="3686400"/>
+          </a:xfrm>
+          <a:prstGeom prst="rect">
+            <a:avLst/>
+          </a:prstGeom>
+        </p:spPr>
+      </p:pic>
+      <p:pic>
+        <p:nvPicPr>
+          <p:cNvPr id="55" name="Picture 54">
+            <a:extLst>
+              <a:ext uri="{FF2B5EF4-FFF2-40B4-BE49-F238E27FC236}">
+                <a16:creationId xmlns:a16="http://schemas.microsoft.com/office/drawing/2014/main" id="{0DCF2616-CBF0-49B7-80B9-D47D7BA33300}"/>
+              </a:ext>
+            </a:extLst>
+          </p:cNvPr>
+          <p:cNvPicPr>
+            <a:picLocks noChangeAspect="1"/>
+          </p:cNvPicPr>
+          <p:nvPr/>
+        </p:nvPicPr>
+        <p:blipFill>
+          <a:blip r:embed="rId5">
+            <a:extLst>
+              <a:ext uri="{28A0092B-C50C-407E-A947-70E740481C1C}">
+                <a14:useLocalDpi xmlns:a14="http://schemas.microsoft.com/office/drawing/2010/main" val="0"/>
+              </a:ext>
+            </a:extLst>
+          </a:blip>
+          <a:stretch>
+            <a:fillRect/>
+          </a:stretch>
+        </p:blipFill>
+        <p:spPr>
+          <a:xfrm>
+            <a:off x="334800" y="2124000"/>
+            <a:ext cx="11781782" cy="3686400"/>
+          </a:xfrm>
+          <a:prstGeom prst="rect">
+            <a:avLst/>
+          </a:prstGeom>
+        </p:spPr>
+      </p:pic>
+      <p:pic>
+        <p:nvPicPr>
+          <p:cNvPr id="57" name="Picture 56">
+            <a:extLst>
+              <a:ext uri="{FF2B5EF4-FFF2-40B4-BE49-F238E27FC236}">
+                <a16:creationId xmlns:a16="http://schemas.microsoft.com/office/drawing/2014/main" id="{03DABB8F-BD3D-E977-BBB4-53903BA090B5}"/>
+              </a:ext>
+            </a:extLst>
+          </p:cNvPr>
+          <p:cNvPicPr>
+            <a:picLocks noChangeAspect="1"/>
+          </p:cNvPicPr>
+          <p:nvPr/>
+        </p:nvPicPr>
+        <p:blipFill>
+          <a:blip r:embed="rId6">
+            <a:extLst>
+              <a:ext uri="{28A0092B-C50C-407E-A947-70E740481C1C}">
+                <a14:useLocalDpi xmlns:a14="http://schemas.microsoft.com/office/drawing/2010/main" val="0"/>
+              </a:ext>
+            </a:extLst>
+          </a:blip>
+          <a:stretch>
+            <a:fillRect/>
+          </a:stretch>
+        </p:blipFill>
+        <p:spPr>
+          <a:xfrm>
+            <a:off x="334800" y="2124000"/>
+            <a:ext cx="11781782" cy="3686400"/>
+          </a:xfrm>
+          <a:prstGeom prst="rect">
+            <a:avLst/>
+          </a:prstGeom>
+        </p:spPr>
+      </p:pic>
+      <p:pic>
+        <p:nvPicPr>
+          <p:cNvPr id="59" name="Picture 58">
+            <a:extLst>
+              <a:ext uri="{FF2B5EF4-FFF2-40B4-BE49-F238E27FC236}">
+                <a16:creationId xmlns:a16="http://schemas.microsoft.com/office/drawing/2014/main" id="{5F9608EE-CB52-1FF1-71D3-F76840451348}"/>
+              </a:ext>
+            </a:extLst>
+          </p:cNvPr>
+          <p:cNvPicPr>
+            <a:picLocks noChangeAspect="1"/>
+          </p:cNvPicPr>
+          <p:nvPr/>
+        </p:nvPicPr>
+        <p:blipFill>
+          <a:blip r:embed="rId7">
+            <a:extLst>
+              <a:ext uri="{28A0092B-C50C-407E-A947-70E740481C1C}">
+                <a14:useLocalDpi xmlns:a14="http://schemas.microsoft.com/office/drawing/2010/main" val="0"/>
+              </a:ext>
+            </a:extLst>
+          </a:blip>
+          <a:stretch>
+            <a:fillRect/>
+          </a:stretch>
+        </p:blipFill>
+        <p:spPr>
+          <a:xfrm>
+            <a:off x="334800" y="2124000"/>
+            <a:ext cx="11781782" cy="3686400"/>
+          </a:xfrm>
+          <a:prstGeom prst="rect">
+            <a:avLst/>
+          </a:prstGeom>
+        </p:spPr>
+      </p:pic>
+      <p:pic>
+        <p:nvPicPr>
+          <p:cNvPr id="61" name="Picture 60">
+            <a:extLst>
+              <a:ext uri="{FF2B5EF4-FFF2-40B4-BE49-F238E27FC236}">
+                <a16:creationId xmlns:a16="http://schemas.microsoft.com/office/drawing/2014/main" id="{8480D8AB-6BAD-9533-E1D2-7FF24BE2C048}"/>
+              </a:ext>
+            </a:extLst>
+          </p:cNvPr>
+          <p:cNvPicPr>
+            <a:picLocks noChangeAspect="1"/>
+          </p:cNvPicPr>
+          <p:nvPr/>
+        </p:nvPicPr>
+        <p:blipFill>
+          <a:blip r:embed="rId8">
+            <a:extLst>
+              <a:ext uri="{28A0092B-C50C-407E-A947-70E740481C1C}">
+                <a14:useLocalDpi xmlns:a14="http://schemas.microsoft.com/office/drawing/2010/main" val="0"/>
+              </a:ext>
+            </a:extLst>
+          </a:blip>
+          <a:stretch>
+            <a:fillRect/>
+          </a:stretch>
+        </p:blipFill>
+        <p:spPr>
+          <a:xfrm>
+            <a:off x="334800" y="2124000"/>
+            <a:ext cx="11781782" cy="3686400"/>
           </a:xfrm>
           <a:prstGeom prst="rect">
             <a:avLst/>
@@ -11648,6 +11865,351 @@
       <p:transition spd="slow" advClick="0" advTm="5000"/>
     </mc:Fallback>
   </mc:AlternateContent>
+  <p:timing>
+    <p:tnLst>
+      <p:par>
+        <p:cTn id="1" dur="indefinite" restart="never" nodeType="tmRoot">
+          <p:childTnLst>
+            <p:seq concurrent="1" nextAc="seek">
+              <p:cTn id="2" dur="indefinite" nodeType="mainSeq">
+                <p:childTnLst>
+                  <p:par>
+                    <p:cTn id="3" fill="hold">
+                      <p:stCondLst>
+                        <p:cond delay="indefinite"/>
+                      </p:stCondLst>
+                      <p:childTnLst>
+                        <p:par>
+                          <p:cTn id="4" fill="hold">
+                            <p:stCondLst>
+                              <p:cond delay="0"/>
+                            </p:stCondLst>
+                            <p:childTnLst>
+                              <p:par>
+                                <p:cTn id="5" presetID="1" presetClass="entr" presetSubtype="0" fill="hold" nodeType="clickEffect">
+                                  <p:stCondLst>
+                                    <p:cond delay="0"/>
+                                  </p:stCondLst>
+                                  <p:childTnLst>
+                                    <p:set>
+                                      <p:cBhvr>
+                                        <p:cTn id="6" dur="1" fill="hold">
+                                          <p:stCondLst>
+                                            <p:cond delay="0"/>
+                                          </p:stCondLst>
+                                        </p:cTn>
+                                        <p:tgtEl>
+                                          <p:spTgt spid="49"/>
+                                        </p:tgtEl>
+                                        <p:attrNameLst>
+                                          <p:attrName>style.visibility</p:attrName>
+                                        </p:attrNameLst>
+                                      </p:cBhvr>
+                                      <p:to>
+                                        <p:strVal val="visible"/>
+                                      </p:to>
+                                    </p:set>
+                                  </p:childTnLst>
+                                </p:cTn>
+                              </p:par>
+                            </p:childTnLst>
+                          </p:cTn>
+                        </p:par>
+                      </p:childTnLst>
+                    </p:cTn>
+                  </p:par>
+                  <p:par>
+                    <p:cTn id="7" fill="hold">
+                      <p:stCondLst>
+                        <p:cond delay="indefinite"/>
+                      </p:stCondLst>
+                      <p:childTnLst>
+                        <p:par>
+                          <p:cTn id="8" fill="hold">
+                            <p:stCondLst>
+                              <p:cond delay="0"/>
+                            </p:stCondLst>
+                            <p:childTnLst>
+                              <p:par>
+                                <p:cTn id="9" presetID="1" presetClass="entr" presetSubtype="0" fill="hold" nodeType="clickEffect">
+                                  <p:stCondLst>
+                                    <p:cond delay="0"/>
+                                  </p:stCondLst>
+                                  <p:childTnLst>
+                                    <p:set>
+                                      <p:cBhvr>
+                                        <p:cTn id="10" dur="1" fill="hold">
+                                          <p:stCondLst>
+                                            <p:cond delay="0"/>
+                                          </p:stCondLst>
+                                        </p:cTn>
+                                        <p:tgtEl>
+                                          <p:spTgt spid="51"/>
+                                        </p:tgtEl>
+                                        <p:attrNameLst>
+                                          <p:attrName>style.visibility</p:attrName>
+                                        </p:attrNameLst>
+                                      </p:cBhvr>
+                                      <p:to>
+                                        <p:strVal val="visible"/>
+                                      </p:to>
+                                    </p:set>
+                                  </p:childTnLst>
+                                </p:cTn>
+                              </p:par>
+                            </p:childTnLst>
+                          </p:cTn>
+                        </p:par>
+                      </p:childTnLst>
+                    </p:cTn>
+                  </p:par>
+                  <p:par>
+                    <p:cTn id="11" fill="hold">
+                      <p:stCondLst>
+                        <p:cond delay="indefinite"/>
+                      </p:stCondLst>
+                      <p:childTnLst>
+                        <p:par>
+                          <p:cTn id="12" fill="hold">
+                            <p:stCondLst>
+                              <p:cond delay="0"/>
+                            </p:stCondLst>
+                            <p:childTnLst>
+                              <p:par>
+                                <p:cTn id="13" presetID="1" presetClass="entr" presetSubtype="0" fill="hold" nodeType="clickEffect">
+                                  <p:stCondLst>
+                                    <p:cond delay="0"/>
+                                  </p:stCondLst>
+                                  <p:childTnLst>
+                                    <p:set>
+                                      <p:cBhvr>
+                                        <p:cTn id="14" dur="1" fill="hold">
+                                          <p:stCondLst>
+                                            <p:cond delay="0"/>
+                                          </p:stCondLst>
+                                        </p:cTn>
+                                        <p:tgtEl>
+                                          <p:spTgt spid="53"/>
+                                        </p:tgtEl>
+                                        <p:attrNameLst>
+                                          <p:attrName>style.visibility</p:attrName>
+                                        </p:attrNameLst>
+                                      </p:cBhvr>
+                                      <p:to>
+                                        <p:strVal val="visible"/>
+                                      </p:to>
+                                    </p:set>
+                                  </p:childTnLst>
+                                </p:cTn>
+                              </p:par>
+                            </p:childTnLst>
+                          </p:cTn>
+                        </p:par>
+                      </p:childTnLst>
+                    </p:cTn>
+                  </p:par>
+                  <p:par>
+                    <p:cTn id="15" fill="hold">
+                      <p:stCondLst>
+                        <p:cond delay="indefinite"/>
+                      </p:stCondLst>
+                      <p:childTnLst>
+                        <p:par>
+                          <p:cTn id="16" fill="hold">
+                            <p:stCondLst>
+                              <p:cond delay="0"/>
+                            </p:stCondLst>
+                            <p:childTnLst>
+                              <p:par>
+                                <p:cTn id="17" presetID="1" presetClass="entr" presetSubtype="0" fill="hold" nodeType="clickEffect">
+                                  <p:stCondLst>
+                                    <p:cond delay="0"/>
+                                  </p:stCondLst>
+                                  <p:childTnLst>
+                                    <p:set>
+                                      <p:cBhvr>
+                                        <p:cTn id="18" dur="1" fill="hold">
+                                          <p:stCondLst>
+                                            <p:cond delay="0"/>
+                                          </p:stCondLst>
+                                        </p:cTn>
+                                        <p:tgtEl>
+                                          <p:spTgt spid="55"/>
+                                        </p:tgtEl>
+                                        <p:attrNameLst>
+                                          <p:attrName>style.visibility</p:attrName>
+                                        </p:attrNameLst>
+                                      </p:cBhvr>
+                                      <p:to>
+                                        <p:strVal val="visible"/>
+                                      </p:to>
+                                    </p:set>
+                                  </p:childTnLst>
+                                </p:cTn>
+                              </p:par>
+                            </p:childTnLst>
+                          </p:cTn>
+                        </p:par>
+                      </p:childTnLst>
+                    </p:cTn>
+                  </p:par>
+                  <p:par>
+                    <p:cTn id="19" fill="hold">
+                      <p:stCondLst>
+                        <p:cond delay="indefinite"/>
+                      </p:stCondLst>
+                      <p:childTnLst>
+                        <p:par>
+                          <p:cTn id="20" fill="hold">
+                            <p:stCondLst>
+                              <p:cond delay="0"/>
+                            </p:stCondLst>
+                            <p:childTnLst>
+                              <p:par>
+                                <p:cTn id="21" presetID="1" presetClass="entr" presetSubtype="0" fill="hold" nodeType="clickEffect">
+                                  <p:stCondLst>
+                                    <p:cond delay="0"/>
+                                  </p:stCondLst>
+                                  <p:childTnLst>
+                                    <p:set>
+                                      <p:cBhvr>
+                                        <p:cTn id="22" dur="1" fill="hold">
+                                          <p:stCondLst>
+                                            <p:cond delay="0"/>
+                                          </p:stCondLst>
+                                        </p:cTn>
+                                        <p:tgtEl>
+                                          <p:spTgt spid="57"/>
+                                        </p:tgtEl>
+                                        <p:attrNameLst>
+                                          <p:attrName>style.visibility</p:attrName>
+                                        </p:attrNameLst>
+                                      </p:cBhvr>
+                                      <p:to>
+                                        <p:strVal val="visible"/>
+                                      </p:to>
+                                    </p:set>
+                                  </p:childTnLst>
+                                </p:cTn>
+                              </p:par>
+                            </p:childTnLst>
+                          </p:cTn>
+                        </p:par>
+                      </p:childTnLst>
+                    </p:cTn>
+                  </p:par>
+                  <p:par>
+                    <p:cTn id="23" fill="hold">
+                      <p:stCondLst>
+                        <p:cond delay="indefinite"/>
+                      </p:stCondLst>
+                      <p:childTnLst>
+                        <p:par>
+                          <p:cTn id="24" fill="hold">
+                            <p:stCondLst>
+                              <p:cond delay="0"/>
+                            </p:stCondLst>
+                            <p:childTnLst>
+                              <p:par>
+                                <p:cTn id="25" presetID="1" presetClass="entr" presetSubtype="0" fill="hold" nodeType="clickEffect">
+                                  <p:stCondLst>
+                                    <p:cond delay="0"/>
+                                  </p:stCondLst>
+                                  <p:childTnLst>
+                                    <p:set>
+                                      <p:cBhvr>
+                                        <p:cTn id="26" dur="1" fill="hold">
+                                          <p:stCondLst>
+                                            <p:cond delay="0"/>
+                                          </p:stCondLst>
+                                        </p:cTn>
+                                        <p:tgtEl>
+                                          <p:spTgt spid="59"/>
+                                        </p:tgtEl>
+                                        <p:attrNameLst>
+                                          <p:attrName>style.visibility</p:attrName>
+                                        </p:attrNameLst>
+                                      </p:cBhvr>
+                                      <p:to>
+                                        <p:strVal val="visible"/>
+                                      </p:to>
+                                    </p:set>
+                                  </p:childTnLst>
+                                </p:cTn>
+                              </p:par>
+                            </p:childTnLst>
+                          </p:cTn>
+                        </p:par>
+                      </p:childTnLst>
+                    </p:cTn>
+                  </p:par>
+                  <p:par>
+                    <p:cTn id="27" fill="hold">
+                      <p:stCondLst>
+                        <p:cond delay="indefinite"/>
+                      </p:stCondLst>
+                      <p:childTnLst>
+                        <p:par>
+                          <p:cTn id="28" fill="hold">
+                            <p:stCondLst>
+                              <p:cond delay="0"/>
+                            </p:stCondLst>
+                            <p:childTnLst>
+                              <p:par>
+                                <p:cTn id="29" presetID="1" presetClass="entr" presetSubtype="0" fill="hold" nodeType="clickEffect">
+                                  <p:stCondLst>
+                                    <p:cond delay="0"/>
+                                  </p:stCondLst>
+                                  <p:childTnLst>
+                                    <p:set>
+                                      <p:cBhvr>
+                                        <p:cTn id="30" dur="1" fill="hold">
+                                          <p:stCondLst>
+                                            <p:cond delay="0"/>
+                                          </p:stCondLst>
+                                        </p:cTn>
+                                        <p:tgtEl>
+                                          <p:spTgt spid="61"/>
+                                        </p:tgtEl>
+                                        <p:attrNameLst>
+                                          <p:attrName>style.visibility</p:attrName>
+                                        </p:attrNameLst>
+                                      </p:cBhvr>
+                                      <p:to>
+                                        <p:strVal val="visible"/>
+                                      </p:to>
+                                    </p:set>
+                                  </p:childTnLst>
+                                </p:cTn>
+                              </p:par>
+                            </p:childTnLst>
+                          </p:cTn>
+                        </p:par>
+                      </p:childTnLst>
+                    </p:cTn>
+                  </p:par>
+                </p:childTnLst>
+              </p:cTn>
+              <p:prevCondLst>
+                <p:cond evt="onPrev" delay="0">
+                  <p:tgtEl>
+                    <p:sldTgt/>
+                  </p:tgtEl>
+                </p:cond>
+              </p:prevCondLst>
+              <p:nextCondLst>
+                <p:cond evt="onNext" delay="0">
+                  <p:tgtEl>
+                    <p:sldTgt/>
+                  </p:tgtEl>
+                </p:cond>
+              </p:nextCondLst>
+            </p:seq>
+          </p:childTnLst>
+        </p:cTn>
+      </p:par>
+    </p:tnLst>
+  </p:timing>
 </p:sld>
 </file>
 

--- a/Courses/Software-Sciences/IT-Module-4-Problem-Solving-with-ICT/03-Iterative-Models/03-Iterative-Models.pptx
+++ b/Courses/Software-Sciences/IT-Module-4-Problem-Solving-with-ICT/03-Iterative-Models/03-Iterative-Models.pptx
@@ -322,7 +322,7 @@
           <a:p>
             <a:fld id="{4E087215-0C8F-4762-A664-737A353EC9A4}" type="datetimeFigureOut">
               <a:rPr lang="bg-BG" smtClean="0"/>
-              <a:t>2.09.25 г.</a:t>
+              <a:t>4.09.25 г.</a:t>
             </a:fld>
             <a:endParaRPr lang="bg-BG"/>
           </a:p>
@@ -518,7 +518,7 @@
           <a:p>
             <a:fld id="{72D84649-876A-46C9-8472-14CB09C070D8}" type="datetimeFigureOut">
               <a:rPr lang="en-US" smtClean="0"/>
-              <a:t>9/2/25</a:t>
+              <a:t>9/4/25</a:t>
             </a:fld>
             <a:endParaRPr lang="en-US"/>
           </a:p>
@@ -9840,8 +9840,8 @@
         </p:blipFill>
         <p:spPr>
           <a:xfrm>
-            <a:off x="572403" y="3055226"/>
-            <a:ext cx="1897168" cy="850875"/>
+            <a:off x="572403" y="3056137"/>
+            <a:ext cx="1897168" cy="849053"/>
           </a:xfrm>
           <a:prstGeom prst="rect">
             <a:avLst/>
